--- a/SIGMA_ST.pptx
+++ b/SIGMA_ST.pptx
@@ -206,7 +206,7 @@
           <a:p>
             <a:fld id="{10E04A44-00F1-4CA4-9477-FF235EBDC9C5}" type="datetimeFigureOut">
               <a:rPr lang="ru-UA" smtClean="0"/>
-              <a:t>21.02.2021</a:t>
+              <a:t>22.02.2021</a:t>
             </a:fld>
             <a:endParaRPr lang="ru-UA"/>
           </a:p>
@@ -605,7 +605,7 @@
           <a:p>
             <a:fld id="{EDBD2514-4435-4C4C-8579-61B40CEE7145}" type="datetime1">
               <a:rPr lang="ru-UA" smtClean="0"/>
-              <a:t>21.02.2021</a:t>
+              <a:t>22.02.2021</a:t>
             </a:fld>
             <a:endParaRPr lang="ru-UA"/>
           </a:p>
@@ -775,7 +775,7 @@
           <a:p>
             <a:fld id="{C6219320-4CAE-4645-89BB-B2E7B8649A9A}" type="datetime1">
               <a:rPr lang="ru-UA" smtClean="0"/>
-              <a:t>21.02.2021</a:t>
+              <a:t>22.02.2021</a:t>
             </a:fld>
             <a:endParaRPr lang="ru-UA"/>
           </a:p>
@@ -955,7 +955,7 @@
           <a:p>
             <a:fld id="{4A26981F-373B-4D02-BFB2-DD69245F3565}" type="datetime1">
               <a:rPr lang="ru-UA" smtClean="0"/>
-              <a:t>21.02.2021</a:t>
+              <a:t>22.02.2021</a:t>
             </a:fld>
             <a:endParaRPr lang="ru-UA"/>
           </a:p>
@@ -1125,7 +1125,7 @@
           <a:p>
             <a:fld id="{DD89C6F2-FE35-433A-BF07-2E557067E7C8}" type="datetime1">
               <a:rPr lang="ru-UA" smtClean="0"/>
-              <a:t>21.02.2021</a:t>
+              <a:t>22.02.2021</a:t>
             </a:fld>
             <a:endParaRPr lang="ru-UA"/>
           </a:p>
@@ -1371,7 +1371,7 @@
           <a:p>
             <a:fld id="{1D5747FB-6ECA-411F-A4E7-E31BFB93B51E}" type="datetime1">
               <a:rPr lang="ru-UA" smtClean="0"/>
-              <a:t>21.02.2021</a:t>
+              <a:t>22.02.2021</a:t>
             </a:fld>
             <a:endParaRPr lang="ru-UA"/>
           </a:p>
@@ -1603,7 +1603,7 @@
           <a:p>
             <a:fld id="{DB3A1C1F-23DE-4045-B966-0E02FD43C5FE}" type="datetime1">
               <a:rPr lang="ru-UA" smtClean="0"/>
-              <a:t>21.02.2021</a:t>
+              <a:t>22.02.2021</a:t>
             </a:fld>
             <a:endParaRPr lang="ru-UA"/>
           </a:p>
@@ -1970,7 +1970,7 @@
           <a:p>
             <a:fld id="{E348CF2E-2A8B-46AD-8727-9A4FED41AE7B}" type="datetime1">
               <a:rPr lang="ru-UA" smtClean="0"/>
-              <a:t>21.02.2021</a:t>
+              <a:t>22.02.2021</a:t>
             </a:fld>
             <a:endParaRPr lang="ru-UA"/>
           </a:p>
@@ -2088,7 +2088,7 @@
           <a:p>
             <a:fld id="{EAC4B95E-D065-44D1-BB89-894CC2929DA7}" type="datetime1">
               <a:rPr lang="ru-UA" smtClean="0"/>
-              <a:t>21.02.2021</a:t>
+              <a:t>22.02.2021</a:t>
             </a:fld>
             <a:endParaRPr lang="ru-UA"/>
           </a:p>
@@ -2183,7 +2183,7 @@
           <a:p>
             <a:fld id="{37894488-032C-4953-9B95-D027B2711A05}" type="datetime1">
               <a:rPr lang="ru-UA" smtClean="0"/>
-              <a:t>21.02.2021</a:t>
+              <a:t>22.02.2021</a:t>
             </a:fld>
             <a:endParaRPr lang="ru-UA"/>
           </a:p>
@@ -2460,7 +2460,7 @@
           <a:p>
             <a:fld id="{4FCDAFBF-56D9-4F02-A285-1AECB904F47B}" type="datetime1">
               <a:rPr lang="ru-UA" smtClean="0"/>
-              <a:t>21.02.2021</a:t>
+              <a:t>22.02.2021</a:t>
             </a:fld>
             <a:endParaRPr lang="ru-UA"/>
           </a:p>
@@ -2717,7 +2717,7 @@
           <a:p>
             <a:fld id="{169A892C-7858-4BB6-8DDA-72327655CF62}" type="datetime1">
               <a:rPr lang="ru-UA" smtClean="0"/>
-              <a:t>21.02.2021</a:t>
+              <a:t>22.02.2021</a:t>
             </a:fld>
             <a:endParaRPr lang="ru-UA"/>
           </a:p>
@@ -2930,7 +2930,7 @@
           <a:p>
             <a:fld id="{8E87AF17-1C88-4E91-AD78-80073F45B8F3}" type="datetime1">
               <a:rPr lang="ru-UA" smtClean="0"/>
-              <a:t>21.02.2021</a:t>
+              <a:t>22.02.2021</a:t>
             </a:fld>
             <a:endParaRPr lang="ru-UA"/>
           </a:p>
@@ -3967,7 +3967,12 @@
             <p:ph type="sldNum" sz="quarter" idx="12"/>
           </p:nvPr>
         </p:nvSpPr>
-        <p:spPr/>
+        <p:spPr>
+          <a:xfrm>
+            <a:off x="8610600" y="6365228"/>
+            <a:ext cx="2743200" cy="365125"/>
+          </a:xfrm>
+        </p:spPr>
         <p:txBody>
           <a:bodyPr/>
           <a:lstStyle/>
@@ -4163,7 +4168,7 @@
               <a:rPr lang="ru-UA" smtClean="0"/>
               <a:t>3</a:t>
             </a:fld>
-            <a:endParaRPr lang="ru-UA"/>
+            <a:endParaRPr lang="ru-UA" dirty="0"/>
           </a:p>
         </p:txBody>
       </p:sp>
@@ -4252,12 +4257,12 @@
         <p:spPr>
           <a:xfrm>
             <a:off x="0" y="136525"/>
-            <a:ext cx="12192000" cy="593727"/>
+            <a:ext cx="12192000" cy="298481"/>
           </a:xfrm>
         </p:spPr>
         <p:txBody>
           <a:bodyPr>
-            <a:normAutofit/>
+            <a:normAutofit fontScale="90000"/>
           </a:bodyPr>
           <a:lstStyle/>
           <a:p>
@@ -4340,8 +4345,8 @@
         </p:blipFill>
         <p:spPr>
           <a:xfrm>
-            <a:off x="1836480" y="817318"/>
-            <a:ext cx="8519039" cy="5904157"/>
+            <a:off x="1836480" y="497150"/>
+            <a:ext cx="8519039" cy="6286469"/>
           </a:xfrm>
           <a:prstGeom prst="rect">
             <a:avLst/>
@@ -4479,7 +4484,7 @@
         </p:blipFill>
         <p:spPr bwMode="auto">
           <a:xfrm>
-            <a:off x="1927934" y="1959870"/>
+            <a:off x="1927934" y="1968748"/>
             <a:ext cx="8336132" cy="3626217"/>
           </a:xfrm>
           <a:prstGeom prst="rect">
